--- a/COS301 Mini-Project Phase 3.pptx
+++ b/COS301 Mini-Project Phase 3.pptx
@@ -9,12 +9,14 @@
     <p:sldId id="259" r:id="rId3"/>
     <p:sldId id="260" r:id="rId4"/>
     <p:sldId id="261" r:id="rId5"/>
-    <p:sldId id="262" r:id="rId6"/>
-    <p:sldId id="263" r:id="rId7"/>
-    <p:sldId id="265" r:id="rId8"/>
-    <p:sldId id="266" r:id="rId9"/>
-    <p:sldId id="267" r:id="rId10"/>
-    <p:sldId id="264" r:id="rId11"/>
+    <p:sldId id="268" r:id="rId6"/>
+    <p:sldId id="269" r:id="rId7"/>
+    <p:sldId id="270" r:id="rId8"/>
+    <p:sldId id="262" r:id="rId9"/>
+    <p:sldId id="265" r:id="rId10"/>
+    <p:sldId id="266" r:id="rId11"/>
+    <p:sldId id="267" r:id="rId12"/>
+    <p:sldId id="264" r:id="rId13"/>
   </p:sldIdLst>
   <p:sldSz cx="12192000" cy="6858000"/>
   <p:notesSz cx="6858000" cy="9144000"/>
@@ -163,7 +165,7 @@
           </a:lstStyle>
           <a:p>
             <a:r>
-              <a:rPr lang="en-US" smtClean="0"/>
+              <a:rPr lang="en-US"/>
               <a:t>Click to edit Master title style</a:t>
             </a:r>
             <a:endParaRPr lang="en-GB"/>
@@ -228,7 +230,7 @@
           </a:lstStyle>
           <a:p>
             <a:r>
-              <a:rPr lang="en-US" smtClean="0"/>
+              <a:rPr lang="en-US"/>
               <a:t>Click to edit Master subtitle style</a:t>
             </a:r>
             <a:endParaRPr lang="en-GB"/>
@@ -252,7 +254,7 @@
           <a:p>
             <a:fld id="{9C3B846C-AE15-45F1-B867-41F4A13F3CCE}" type="datetimeFigureOut">
               <a:rPr lang="en-GB" smtClean="0"/>
-              <a:t>15/03/2019</a:t>
+              <a:t>05/04/2019</a:t>
             </a:fld>
             <a:endParaRPr lang="en-GB"/>
           </a:p>
@@ -346,7 +348,7 @@
           <a:lstStyle/>
           <a:p>
             <a:r>
-              <a:rPr lang="en-US" smtClean="0"/>
+              <a:rPr lang="en-US"/>
               <a:t>Click to edit Master title style</a:t>
             </a:r>
             <a:endParaRPr lang="en-GB"/>
@@ -370,35 +372,35 @@
           <a:p>
             <a:pPr lvl="0"/>
             <a:r>
-              <a:rPr lang="en-US" smtClean="0"/>
+              <a:rPr lang="en-US"/>
               <a:t>Edit Master text styles</a:t>
             </a:r>
           </a:p>
           <a:p>
             <a:pPr lvl="1"/>
             <a:r>
-              <a:rPr lang="en-US" smtClean="0"/>
+              <a:rPr lang="en-US"/>
               <a:t>Second level</a:t>
             </a:r>
           </a:p>
           <a:p>
             <a:pPr lvl="2"/>
             <a:r>
-              <a:rPr lang="en-US" smtClean="0"/>
+              <a:rPr lang="en-US"/>
               <a:t>Third level</a:t>
             </a:r>
           </a:p>
           <a:p>
             <a:pPr lvl="3"/>
             <a:r>
-              <a:rPr lang="en-US" smtClean="0"/>
+              <a:rPr lang="en-US"/>
               <a:t>Fourth level</a:t>
             </a:r>
           </a:p>
           <a:p>
             <a:pPr lvl="4"/>
             <a:r>
-              <a:rPr lang="en-US" smtClean="0"/>
+              <a:rPr lang="en-US"/>
               <a:t>Fifth level</a:t>
             </a:r>
             <a:endParaRPr lang="en-GB"/>
@@ -422,7 +424,7 @@
           <a:p>
             <a:fld id="{9C3B846C-AE15-45F1-B867-41F4A13F3CCE}" type="datetimeFigureOut">
               <a:rPr lang="en-GB" smtClean="0"/>
-              <a:t>15/03/2019</a:t>
+              <a:t>05/04/2019</a:t>
             </a:fld>
             <a:endParaRPr lang="en-GB"/>
           </a:p>
@@ -521,7 +523,7 @@
           <a:lstStyle/>
           <a:p>
             <a:r>
-              <a:rPr lang="en-US" smtClean="0"/>
+              <a:rPr lang="en-US"/>
               <a:t>Click to edit Master title style</a:t>
             </a:r>
             <a:endParaRPr lang="en-GB"/>
@@ -550,35 +552,35 @@
           <a:p>
             <a:pPr lvl="0"/>
             <a:r>
-              <a:rPr lang="en-US" smtClean="0"/>
+              <a:rPr lang="en-US"/>
               <a:t>Edit Master text styles</a:t>
             </a:r>
           </a:p>
           <a:p>
             <a:pPr lvl="1"/>
             <a:r>
-              <a:rPr lang="en-US" smtClean="0"/>
+              <a:rPr lang="en-US"/>
               <a:t>Second level</a:t>
             </a:r>
           </a:p>
           <a:p>
             <a:pPr lvl="2"/>
             <a:r>
-              <a:rPr lang="en-US" smtClean="0"/>
+              <a:rPr lang="en-US"/>
               <a:t>Third level</a:t>
             </a:r>
           </a:p>
           <a:p>
             <a:pPr lvl="3"/>
             <a:r>
-              <a:rPr lang="en-US" smtClean="0"/>
+              <a:rPr lang="en-US"/>
               <a:t>Fourth level</a:t>
             </a:r>
           </a:p>
           <a:p>
             <a:pPr lvl="4"/>
             <a:r>
-              <a:rPr lang="en-US" smtClean="0"/>
+              <a:rPr lang="en-US"/>
               <a:t>Fifth level</a:t>
             </a:r>
             <a:endParaRPr lang="en-GB"/>
@@ -602,7 +604,7 @@
           <a:p>
             <a:fld id="{9C3B846C-AE15-45F1-B867-41F4A13F3CCE}" type="datetimeFigureOut">
               <a:rPr lang="en-GB" smtClean="0"/>
-              <a:t>15/03/2019</a:t>
+              <a:t>05/04/2019</a:t>
             </a:fld>
             <a:endParaRPr lang="en-GB"/>
           </a:p>
@@ -696,7 +698,7 @@
           <a:lstStyle/>
           <a:p>
             <a:r>
-              <a:rPr lang="en-US" smtClean="0"/>
+              <a:rPr lang="en-US"/>
               <a:t>Click to edit Master title style</a:t>
             </a:r>
             <a:endParaRPr lang="en-GB"/>
@@ -720,35 +722,35 @@
           <a:p>
             <a:pPr lvl="0"/>
             <a:r>
-              <a:rPr lang="en-US" smtClean="0"/>
+              <a:rPr lang="en-US"/>
               <a:t>Edit Master text styles</a:t>
             </a:r>
           </a:p>
           <a:p>
             <a:pPr lvl="1"/>
             <a:r>
-              <a:rPr lang="en-US" smtClean="0"/>
+              <a:rPr lang="en-US"/>
               <a:t>Second level</a:t>
             </a:r>
           </a:p>
           <a:p>
             <a:pPr lvl="2"/>
             <a:r>
-              <a:rPr lang="en-US" smtClean="0"/>
+              <a:rPr lang="en-US"/>
               <a:t>Third level</a:t>
             </a:r>
           </a:p>
           <a:p>
             <a:pPr lvl="3"/>
             <a:r>
-              <a:rPr lang="en-US" smtClean="0"/>
+              <a:rPr lang="en-US"/>
               <a:t>Fourth level</a:t>
             </a:r>
           </a:p>
           <a:p>
             <a:pPr lvl="4"/>
             <a:r>
-              <a:rPr lang="en-US" smtClean="0"/>
+              <a:rPr lang="en-US"/>
               <a:t>Fifth level</a:t>
             </a:r>
             <a:endParaRPr lang="en-GB"/>
@@ -772,7 +774,7 @@
           <a:p>
             <a:fld id="{9C3B846C-AE15-45F1-B867-41F4A13F3CCE}" type="datetimeFigureOut">
               <a:rPr lang="en-GB" smtClean="0"/>
-              <a:t>15/03/2019</a:t>
+              <a:t>05/04/2019</a:t>
             </a:fld>
             <a:endParaRPr lang="en-GB"/>
           </a:p>
@@ -875,7 +877,7 @@
           </a:lstStyle>
           <a:p>
             <a:r>
-              <a:rPr lang="en-US" smtClean="0"/>
+              <a:rPr lang="en-US"/>
               <a:t>Click to edit Master title style</a:t>
             </a:r>
             <a:endParaRPr lang="en-GB"/>
@@ -995,7 +997,7 @@
           <a:p>
             <a:pPr lvl="0"/>
             <a:r>
-              <a:rPr lang="en-US" smtClean="0"/>
+              <a:rPr lang="en-US"/>
               <a:t>Edit Master text styles</a:t>
             </a:r>
           </a:p>
@@ -1018,7 +1020,7 @@
           <a:p>
             <a:fld id="{9C3B846C-AE15-45F1-B867-41F4A13F3CCE}" type="datetimeFigureOut">
               <a:rPr lang="en-GB" smtClean="0"/>
-              <a:t>15/03/2019</a:t>
+              <a:t>05/04/2019</a:t>
             </a:fld>
             <a:endParaRPr lang="en-GB"/>
           </a:p>
@@ -1112,7 +1114,7 @@
           <a:lstStyle/>
           <a:p>
             <a:r>
-              <a:rPr lang="en-US" smtClean="0"/>
+              <a:rPr lang="en-US"/>
               <a:t>Click to edit Master title style</a:t>
             </a:r>
             <a:endParaRPr lang="en-GB"/>
@@ -1141,35 +1143,35 @@
           <a:p>
             <a:pPr lvl="0"/>
             <a:r>
-              <a:rPr lang="en-US" smtClean="0"/>
+              <a:rPr lang="en-US"/>
               <a:t>Edit Master text styles</a:t>
             </a:r>
           </a:p>
           <a:p>
             <a:pPr lvl="1"/>
             <a:r>
-              <a:rPr lang="en-US" smtClean="0"/>
+              <a:rPr lang="en-US"/>
               <a:t>Second level</a:t>
             </a:r>
           </a:p>
           <a:p>
             <a:pPr lvl="2"/>
             <a:r>
-              <a:rPr lang="en-US" smtClean="0"/>
+              <a:rPr lang="en-US"/>
               <a:t>Third level</a:t>
             </a:r>
           </a:p>
           <a:p>
             <a:pPr lvl="3"/>
             <a:r>
-              <a:rPr lang="en-US" smtClean="0"/>
+              <a:rPr lang="en-US"/>
               <a:t>Fourth level</a:t>
             </a:r>
           </a:p>
           <a:p>
             <a:pPr lvl="4"/>
             <a:r>
-              <a:rPr lang="en-US" smtClean="0"/>
+              <a:rPr lang="en-US"/>
               <a:t>Fifth level</a:t>
             </a:r>
             <a:endParaRPr lang="en-GB"/>
@@ -1198,35 +1200,35 @@
           <a:p>
             <a:pPr lvl="0"/>
             <a:r>
-              <a:rPr lang="en-US" smtClean="0"/>
+              <a:rPr lang="en-US"/>
               <a:t>Edit Master text styles</a:t>
             </a:r>
           </a:p>
           <a:p>
             <a:pPr lvl="1"/>
             <a:r>
-              <a:rPr lang="en-US" smtClean="0"/>
+              <a:rPr lang="en-US"/>
               <a:t>Second level</a:t>
             </a:r>
           </a:p>
           <a:p>
             <a:pPr lvl="2"/>
             <a:r>
-              <a:rPr lang="en-US" smtClean="0"/>
+              <a:rPr lang="en-US"/>
               <a:t>Third level</a:t>
             </a:r>
           </a:p>
           <a:p>
             <a:pPr lvl="3"/>
             <a:r>
-              <a:rPr lang="en-US" smtClean="0"/>
+              <a:rPr lang="en-US"/>
               <a:t>Fourth level</a:t>
             </a:r>
           </a:p>
           <a:p>
             <a:pPr lvl="4"/>
             <a:r>
-              <a:rPr lang="en-US" smtClean="0"/>
+              <a:rPr lang="en-US"/>
               <a:t>Fifth level</a:t>
             </a:r>
             <a:endParaRPr lang="en-GB"/>
@@ -1250,7 +1252,7 @@
           <a:p>
             <a:fld id="{9C3B846C-AE15-45F1-B867-41F4A13F3CCE}" type="datetimeFigureOut">
               <a:rPr lang="en-GB" smtClean="0"/>
-              <a:t>15/03/2019</a:t>
+              <a:t>05/04/2019</a:t>
             </a:fld>
             <a:endParaRPr lang="en-GB"/>
           </a:p>
@@ -1349,7 +1351,7 @@
           <a:lstStyle/>
           <a:p>
             <a:r>
-              <a:rPr lang="en-US" smtClean="0"/>
+              <a:rPr lang="en-US"/>
               <a:t>Click to edit Master title style</a:t>
             </a:r>
             <a:endParaRPr lang="en-GB"/>
@@ -1415,7 +1417,7 @@
           <a:p>
             <a:pPr lvl="0"/>
             <a:r>
-              <a:rPr lang="en-US" smtClean="0"/>
+              <a:rPr lang="en-US"/>
               <a:t>Edit Master text styles</a:t>
             </a:r>
           </a:p>
@@ -1443,35 +1445,35 @@
           <a:p>
             <a:pPr lvl="0"/>
             <a:r>
-              <a:rPr lang="en-US" smtClean="0"/>
+              <a:rPr lang="en-US"/>
               <a:t>Edit Master text styles</a:t>
             </a:r>
           </a:p>
           <a:p>
             <a:pPr lvl="1"/>
             <a:r>
-              <a:rPr lang="en-US" smtClean="0"/>
+              <a:rPr lang="en-US"/>
               <a:t>Second level</a:t>
             </a:r>
           </a:p>
           <a:p>
             <a:pPr lvl="2"/>
             <a:r>
-              <a:rPr lang="en-US" smtClean="0"/>
+              <a:rPr lang="en-US"/>
               <a:t>Third level</a:t>
             </a:r>
           </a:p>
           <a:p>
             <a:pPr lvl="3"/>
             <a:r>
-              <a:rPr lang="en-US" smtClean="0"/>
+              <a:rPr lang="en-US"/>
               <a:t>Fourth level</a:t>
             </a:r>
           </a:p>
           <a:p>
             <a:pPr lvl="4"/>
             <a:r>
-              <a:rPr lang="en-US" smtClean="0"/>
+              <a:rPr lang="en-US"/>
               <a:t>Fifth level</a:t>
             </a:r>
             <a:endParaRPr lang="en-GB"/>
@@ -1537,7 +1539,7 @@
           <a:p>
             <a:pPr lvl="0"/>
             <a:r>
-              <a:rPr lang="en-US" smtClean="0"/>
+              <a:rPr lang="en-US"/>
               <a:t>Edit Master text styles</a:t>
             </a:r>
           </a:p>
@@ -1565,35 +1567,35 @@
           <a:p>
             <a:pPr lvl="0"/>
             <a:r>
-              <a:rPr lang="en-US" smtClean="0"/>
+              <a:rPr lang="en-US"/>
               <a:t>Edit Master text styles</a:t>
             </a:r>
           </a:p>
           <a:p>
             <a:pPr lvl="1"/>
             <a:r>
-              <a:rPr lang="en-US" smtClean="0"/>
+              <a:rPr lang="en-US"/>
               <a:t>Second level</a:t>
             </a:r>
           </a:p>
           <a:p>
             <a:pPr lvl="2"/>
             <a:r>
-              <a:rPr lang="en-US" smtClean="0"/>
+              <a:rPr lang="en-US"/>
               <a:t>Third level</a:t>
             </a:r>
           </a:p>
           <a:p>
             <a:pPr lvl="3"/>
             <a:r>
-              <a:rPr lang="en-US" smtClean="0"/>
+              <a:rPr lang="en-US"/>
               <a:t>Fourth level</a:t>
             </a:r>
           </a:p>
           <a:p>
             <a:pPr lvl="4"/>
             <a:r>
-              <a:rPr lang="en-US" smtClean="0"/>
+              <a:rPr lang="en-US"/>
               <a:t>Fifth level</a:t>
             </a:r>
             <a:endParaRPr lang="en-GB"/>
@@ -1617,7 +1619,7 @@
           <a:p>
             <a:fld id="{9C3B846C-AE15-45F1-B867-41F4A13F3CCE}" type="datetimeFigureOut">
               <a:rPr lang="en-GB" smtClean="0"/>
-              <a:t>15/03/2019</a:t>
+              <a:t>05/04/2019</a:t>
             </a:fld>
             <a:endParaRPr lang="en-GB"/>
           </a:p>
@@ -1711,7 +1713,7 @@
           <a:lstStyle/>
           <a:p>
             <a:r>
-              <a:rPr lang="en-US" smtClean="0"/>
+              <a:rPr lang="en-US"/>
               <a:t>Click to edit Master title style</a:t>
             </a:r>
             <a:endParaRPr lang="en-GB"/>
@@ -1735,7 +1737,7 @@
           <a:p>
             <a:fld id="{9C3B846C-AE15-45F1-B867-41F4A13F3CCE}" type="datetimeFigureOut">
               <a:rPr lang="en-GB" smtClean="0"/>
-              <a:t>15/03/2019</a:t>
+              <a:t>05/04/2019</a:t>
             </a:fld>
             <a:endParaRPr lang="en-GB"/>
           </a:p>
@@ -1830,7 +1832,7 @@
           <a:p>
             <a:fld id="{9C3B846C-AE15-45F1-B867-41F4A13F3CCE}" type="datetimeFigureOut">
               <a:rPr lang="en-GB" smtClean="0"/>
-              <a:t>15/03/2019</a:t>
+              <a:t>05/04/2019</a:t>
             </a:fld>
             <a:endParaRPr lang="en-GB"/>
           </a:p>
@@ -1933,7 +1935,7 @@
           </a:lstStyle>
           <a:p>
             <a:r>
-              <a:rPr lang="en-US" smtClean="0"/>
+              <a:rPr lang="en-US"/>
               <a:t>Click to edit Master title style</a:t>
             </a:r>
             <a:endParaRPr lang="en-GB"/>
@@ -1990,35 +1992,35 @@
           <a:p>
             <a:pPr lvl="0"/>
             <a:r>
-              <a:rPr lang="en-US" smtClean="0"/>
+              <a:rPr lang="en-US"/>
               <a:t>Edit Master text styles</a:t>
             </a:r>
           </a:p>
           <a:p>
             <a:pPr lvl="1"/>
             <a:r>
-              <a:rPr lang="en-US" smtClean="0"/>
+              <a:rPr lang="en-US"/>
               <a:t>Second level</a:t>
             </a:r>
           </a:p>
           <a:p>
             <a:pPr lvl="2"/>
             <a:r>
-              <a:rPr lang="en-US" smtClean="0"/>
+              <a:rPr lang="en-US"/>
               <a:t>Third level</a:t>
             </a:r>
           </a:p>
           <a:p>
             <a:pPr lvl="3"/>
             <a:r>
-              <a:rPr lang="en-US" smtClean="0"/>
+              <a:rPr lang="en-US"/>
               <a:t>Fourth level</a:t>
             </a:r>
           </a:p>
           <a:p>
             <a:pPr lvl="4"/>
             <a:r>
-              <a:rPr lang="en-US" smtClean="0"/>
+              <a:rPr lang="en-US"/>
               <a:t>Fifth level</a:t>
             </a:r>
             <a:endParaRPr lang="en-GB"/>
@@ -2084,7 +2086,7 @@
           <a:p>
             <a:pPr lvl="0"/>
             <a:r>
-              <a:rPr lang="en-US" smtClean="0"/>
+              <a:rPr lang="en-US"/>
               <a:t>Edit Master text styles</a:t>
             </a:r>
           </a:p>
@@ -2107,7 +2109,7 @@
           <a:p>
             <a:fld id="{9C3B846C-AE15-45F1-B867-41F4A13F3CCE}" type="datetimeFigureOut">
               <a:rPr lang="en-GB" smtClean="0"/>
-              <a:t>15/03/2019</a:t>
+              <a:t>05/04/2019</a:t>
             </a:fld>
             <a:endParaRPr lang="en-GB"/>
           </a:p>
@@ -2210,7 +2212,7 @@
           </a:lstStyle>
           <a:p>
             <a:r>
-              <a:rPr lang="en-US" smtClean="0"/>
+              <a:rPr lang="en-US"/>
               <a:t>Click to edit Master title style</a:t>
             </a:r>
             <a:endParaRPr lang="en-GB"/>
@@ -2337,7 +2339,7 @@
           <a:p>
             <a:pPr lvl="0"/>
             <a:r>
-              <a:rPr lang="en-US" smtClean="0"/>
+              <a:rPr lang="en-US"/>
               <a:t>Edit Master text styles</a:t>
             </a:r>
           </a:p>
@@ -2360,7 +2362,7 @@
           <a:p>
             <a:fld id="{9C3B846C-AE15-45F1-B867-41F4A13F3CCE}" type="datetimeFigureOut">
               <a:rPr lang="en-GB" smtClean="0"/>
-              <a:t>15/03/2019</a:t>
+              <a:t>05/04/2019</a:t>
             </a:fld>
             <a:endParaRPr lang="en-GB"/>
           </a:p>
@@ -2469,7 +2471,7 @@
           <a:lstStyle/>
           <a:p>
             <a:r>
-              <a:rPr lang="en-US" smtClean="0"/>
+              <a:rPr lang="en-US"/>
               <a:t>Click to edit Master title style</a:t>
             </a:r>
             <a:endParaRPr lang="en-GB"/>
@@ -2503,35 +2505,35 @@
           <a:p>
             <a:pPr lvl="0"/>
             <a:r>
-              <a:rPr lang="en-US" smtClean="0"/>
+              <a:rPr lang="en-US"/>
               <a:t>Edit Master text styles</a:t>
             </a:r>
           </a:p>
           <a:p>
             <a:pPr lvl="1"/>
             <a:r>
-              <a:rPr lang="en-US" smtClean="0"/>
+              <a:rPr lang="en-US"/>
               <a:t>Second level</a:t>
             </a:r>
           </a:p>
           <a:p>
             <a:pPr lvl="2"/>
             <a:r>
-              <a:rPr lang="en-US" smtClean="0"/>
+              <a:rPr lang="en-US"/>
               <a:t>Third level</a:t>
             </a:r>
           </a:p>
           <a:p>
             <a:pPr lvl="3"/>
             <a:r>
-              <a:rPr lang="en-US" smtClean="0"/>
+              <a:rPr lang="en-US"/>
               <a:t>Fourth level</a:t>
             </a:r>
           </a:p>
           <a:p>
             <a:pPr lvl="4"/>
             <a:r>
-              <a:rPr lang="en-US" smtClean="0"/>
+              <a:rPr lang="en-US"/>
               <a:t>Fifth level</a:t>
             </a:r>
             <a:endParaRPr lang="en-GB"/>
@@ -2573,7 +2575,7 @@
           <a:p>
             <a:fld id="{9C3B846C-AE15-45F1-B867-41F4A13F3CCE}" type="datetimeFigureOut">
               <a:rPr lang="en-GB" smtClean="0"/>
-              <a:t>15/03/2019</a:t>
+              <a:t>05/04/2019</a:t>
             </a:fld>
             <a:endParaRPr lang="en-GB"/>
           </a:p>
@@ -3018,17 +3020,190 @@
   <p:clrMapOvr>
     <a:masterClrMapping/>
   </p:clrMapOvr>
-  <p:timing>
-    <p:tnLst>
-      <p:par>
-        <p:cTn id="1" dur="indefinite" restart="never" nodeType="tmRoot"/>
-      </p:par>
-    </p:tnLst>
-  </p:timing>
 </p:sld>
 </file>
 
 <file path=ppt/slides/slide10.xml><?xml version="1.0" encoding="utf-8"?>
+<p:sld xmlns:a="http://schemas.openxmlformats.org/drawingml/2006/main" xmlns:r="http://schemas.openxmlformats.org/officeDocument/2006/relationships" xmlns:p="http://schemas.openxmlformats.org/presentationml/2006/main">
+  <p:cSld>
+    <p:spTree>
+      <p:nvGrpSpPr>
+        <p:cNvPr id="1" name=""/>
+        <p:cNvGrpSpPr/>
+        <p:nvPr/>
+      </p:nvGrpSpPr>
+      <p:grpSpPr>
+        <a:xfrm>
+          <a:off x="0" y="0"/>
+          <a:ext cx="0" cy="0"/>
+          <a:chOff x="0" y="0"/>
+          <a:chExt cx="0" cy="0"/>
+        </a:xfrm>
+      </p:grpSpPr>
+      <p:pic>
+        <p:nvPicPr>
+          <p:cNvPr id="2" name="Picture 1"/>
+          <p:cNvPicPr>
+            <a:picLocks noChangeAspect="1"/>
+          </p:cNvPicPr>
+          <p:nvPr/>
+        </p:nvPicPr>
+        <p:blipFill>
+          <a:blip r:embed="rId2">
+            <a:extLst>
+              <a:ext uri="{28A0092B-C50C-407E-A947-70E740481C1C}">
+                <a14:useLocalDpi xmlns:a14="http://schemas.microsoft.com/office/drawing/2010/main" val="0"/>
+              </a:ext>
+            </a:extLst>
+          </a:blip>
+          <a:stretch>
+            <a:fillRect/>
+          </a:stretch>
+        </p:blipFill>
+        <p:spPr>
+          <a:xfrm>
+            <a:off x="0" y="0"/>
+            <a:ext cx="12192002" cy="6858000"/>
+          </a:xfrm>
+          <a:prstGeom prst="rect">
+            <a:avLst/>
+          </a:prstGeom>
+        </p:spPr>
+      </p:pic>
+      <p:pic>
+        <p:nvPicPr>
+          <p:cNvPr id="4" name="Picture 3">
+            <a:extLst>
+              <a:ext uri="{FF2B5EF4-FFF2-40B4-BE49-F238E27FC236}">
+                <a16:creationId xmlns:a16="http://schemas.microsoft.com/office/drawing/2014/main" id="{E9443023-93C1-4C00-8E1D-4D590EFC108A}"/>
+              </a:ext>
+            </a:extLst>
+          </p:cNvPr>
+          <p:cNvPicPr>
+            <a:picLocks noChangeAspect="1"/>
+          </p:cNvPicPr>
+          <p:nvPr/>
+        </p:nvPicPr>
+        <p:blipFill>
+          <a:blip r:embed="rId3"/>
+          <a:stretch>
+            <a:fillRect/>
+          </a:stretch>
+        </p:blipFill>
+        <p:spPr>
+          <a:xfrm>
+            <a:off x="2580227" y="1047301"/>
+            <a:ext cx="6847858" cy="5615389"/>
+          </a:xfrm>
+          <a:prstGeom prst="rect">
+            <a:avLst/>
+          </a:prstGeom>
+        </p:spPr>
+      </p:pic>
+    </p:spTree>
+    <p:extLst>
+      <p:ext uri="{BB962C8B-B14F-4D97-AF65-F5344CB8AC3E}">
+        <p14:creationId xmlns:p14="http://schemas.microsoft.com/office/powerpoint/2010/main" val="2945833072"/>
+      </p:ext>
+    </p:extLst>
+  </p:cSld>
+  <p:clrMapOvr>
+    <a:masterClrMapping/>
+  </p:clrMapOvr>
+</p:sld>
+</file>
+
+<file path=ppt/slides/slide11.xml><?xml version="1.0" encoding="utf-8"?>
+<p:sld xmlns:a="http://schemas.openxmlformats.org/drawingml/2006/main" xmlns:r="http://schemas.openxmlformats.org/officeDocument/2006/relationships" xmlns:p="http://schemas.openxmlformats.org/presentationml/2006/main">
+  <p:cSld>
+    <p:spTree>
+      <p:nvGrpSpPr>
+        <p:cNvPr id="1" name=""/>
+        <p:cNvGrpSpPr/>
+        <p:nvPr/>
+      </p:nvGrpSpPr>
+      <p:grpSpPr>
+        <a:xfrm>
+          <a:off x="0" y="0"/>
+          <a:ext cx="0" cy="0"/>
+          <a:chOff x="0" y="0"/>
+          <a:chExt cx="0" cy="0"/>
+        </a:xfrm>
+      </p:grpSpPr>
+      <p:pic>
+        <p:nvPicPr>
+          <p:cNvPr id="2" name="Picture 1"/>
+          <p:cNvPicPr>
+            <a:picLocks noChangeAspect="1"/>
+          </p:cNvPicPr>
+          <p:nvPr/>
+        </p:nvPicPr>
+        <p:blipFill>
+          <a:blip r:embed="rId2">
+            <a:extLst>
+              <a:ext uri="{28A0092B-C50C-407E-A947-70E740481C1C}">
+                <a14:useLocalDpi xmlns:a14="http://schemas.microsoft.com/office/drawing/2010/main" val="0"/>
+              </a:ext>
+            </a:extLst>
+          </a:blip>
+          <a:stretch>
+            <a:fillRect/>
+          </a:stretch>
+        </p:blipFill>
+        <p:spPr>
+          <a:xfrm>
+            <a:off x="0" y="0"/>
+            <a:ext cx="12192002" cy="6858000"/>
+          </a:xfrm>
+          <a:prstGeom prst="rect">
+            <a:avLst/>
+          </a:prstGeom>
+        </p:spPr>
+      </p:pic>
+      <p:pic>
+        <p:nvPicPr>
+          <p:cNvPr id="4" name="Picture 3">
+            <a:extLst>
+              <a:ext uri="{FF2B5EF4-FFF2-40B4-BE49-F238E27FC236}">
+                <a16:creationId xmlns:a16="http://schemas.microsoft.com/office/drawing/2014/main" id="{BB3603A2-2653-4266-AE7B-0414D450D7D8}"/>
+              </a:ext>
+            </a:extLst>
+          </p:cNvPr>
+          <p:cNvPicPr>
+            <a:picLocks noChangeAspect="1"/>
+          </p:cNvPicPr>
+          <p:nvPr/>
+        </p:nvPicPr>
+        <p:blipFill>
+          <a:blip r:embed="rId3"/>
+          <a:stretch>
+            <a:fillRect/>
+          </a:stretch>
+        </p:blipFill>
+        <p:spPr>
+          <a:xfrm>
+            <a:off x="1090288" y="1049020"/>
+            <a:ext cx="10011423" cy="5631426"/>
+          </a:xfrm>
+          <a:prstGeom prst="rect">
+            <a:avLst/>
+          </a:prstGeom>
+        </p:spPr>
+      </p:pic>
+    </p:spTree>
+    <p:extLst>
+      <p:ext uri="{BB962C8B-B14F-4D97-AF65-F5344CB8AC3E}">
+        <p14:creationId xmlns:p14="http://schemas.microsoft.com/office/powerpoint/2010/main" val="3367403906"/>
+      </p:ext>
+    </p:extLst>
+  </p:cSld>
+  <p:clrMapOvr>
+    <a:masterClrMapping/>
+  </p:clrMapOvr>
+</p:sld>
+</file>
+
+<file path=ppt/slides/slide12.xml><?xml version="1.0" encoding="utf-8"?>
 <p:sld xmlns:a="http://schemas.openxmlformats.org/drawingml/2006/main" xmlns:r="http://schemas.openxmlformats.org/officeDocument/2006/relationships" xmlns:p="http://schemas.openxmlformats.org/presentationml/2006/main">
   <p:cSld>
     <p:spTree>
@@ -3077,7 +3252,13 @@
       </p:pic>
       <p:pic>
         <p:nvPicPr>
-          <p:cNvPr id="4" name="Picture 3"/>
+          <p:cNvPr id="5" name="Picture 4" descr="A screenshot of a cell phone&#10;&#10;Description generated with very high confidence">
+            <a:extLst>
+              <a:ext uri="{FF2B5EF4-FFF2-40B4-BE49-F238E27FC236}">
+                <a16:creationId xmlns:a16="http://schemas.microsoft.com/office/drawing/2014/main" id="{E22CAA91-D77E-4141-B29B-E9982EC740DA}"/>
+              </a:ext>
+            </a:extLst>
+          </p:cNvPr>
           <p:cNvPicPr>
             <a:picLocks noChangeAspect="1"/>
           </p:cNvPicPr>
@@ -3097,8 +3278,8 @@
         </p:blipFill>
         <p:spPr>
           <a:xfrm>
-            <a:off x="1896724" y="1826414"/>
-            <a:ext cx="8398551" cy="3477107"/>
+            <a:off x="3414944" y="1083076"/>
+            <a:ext cx="5212831" cy="5592932"/>
           </a:xfrm>
           <a:prstGeom prst="rect">
             <a:avLst/>
@@ -3115,13 +3296,6 @@
   <p:clrMapOvr>
     <a:masterClrMapping/>
   </p:clrMapOvr>
-  <p:timing>
-    <p:tnLst>
-      <p:par>
-        <p:cTn id="1" dur="indefinite" restart="never" nodeType="tmRoot"/>
-      </p:par>
-    </p:tnLst>
-  </p:timing>
 </p:sld>
 </file>
 
@@ -3144,7 +3318,13 @@
       </p:grpSpPr>
       <p:pic>
         <p:nvPicPr>
-          <p:cNvPr id="4" name="Picture 3"/>
+          <p:cNvPr id="3" name="Picture 2" descr="A screenshot of a social media post&#10;&#10;Description generated with very high confidence">
+            <a:extLst>
+              <a:ext uri="{FF2B5EF4-FFF2-40B4-BE49-F238E27FC236}">
+                <a16:creationId xmlns:a16="http://schemas.microsoft.com/office/drawing/2014/main" id="{63FD7B22-2E35-4C95-864A-956980F7C4BB}"/>
+              </a:ext>
+            </a:extLst>
+          </p:cNvPr>
           <p:cNvPicPr>
             <a:picLocks noChangeAspect="1"/>
           </p:cNvPicPr>
@@ -3165,7 +3345,7 @@
         <p:spPr>
           <a:xfrm>
             <a:off x="0" y="0"/>
-            <a:ext cx="12192002" cy="6858000"/>
+            <a:ext cx="12192001" cy="6858000"/>
           </a:xfrm>
           <a:prstGeom prst="rect">
             <a:avLst/>
@@ -3182,13 +3362,6 @@
   <p:clrMapOvr>
     <a:masterClrMapping/>
   </p:clrMapOvr>
-  <p:timing>
-    <p:tnLst>
-      <p:par>
-        <p:cTn id="1" dur="indefinite" restart="never" nodeType="tmRoot"/>
-      </p:par>
-    </p:tnLst>
-  </p:timing>
 </p:sld>
 </file>
 
@@ -3211,7 +3384,13 @@
       </p:grpSpPr>
       <p:pic>
         <p:nvPicPr>
-          <p:cNvPr id="4" name="Picture 3"/>
+          <p:cNvPr id="3" name="Picture 2" descr="A screenshot of a social media post&#10;&#10;Description generated with very high confidence">
+            <a:extLst>
+              <a:ext uri="{FF2B5EF4-FFF2-40B4-BE49-F238E27FC236}">
+                <a16:creationId xmlns:a16="http://schemas.microsoft.com/office/drawing/2014/main" id="{8F6B1843-F56E-4263-A560-46AA4786A8C4}"/>
+              </a:ext>
+            </a:extLst>
+          </p:cNvPr>
           <p:cNvPicPr>
             <a:picLocks noChangeAspect="1"/>
           </p:cNvPicPr>
@@ -3232,7 +3411,7 @@
         <p:spPr>
           <a:xfrm>
             <a:off x="0" y="0"/>
-            <a:ext cx="12192002" cy="6858000"/>
+            <a:ext cx="12192001" cy="6858000"/>
           </a:xfrm>
           <a:prstGeom prst="rect">
             <a:avLst/>
@@ -3249,13 +3428,6 @@
   <p:clrMapOvr>
     <a:masterClrMapping/>
   </p:clrMapOvr>
-  <p:timing>
-    <p:tnLst>
-      <p:par>
-        <p:cTn id="1" dur="indefinite" restart="never" nodeType="tmRoot"/>
-      </p:par>
-    </p:tnLst>
-  </p:timing>
 </p:sld>
 </file>
 
@@ -3306,11 +3478,6 @@
               </a:rPr>
               <a:t>https://app.gitkraken.com/glo/board/XIkLh8aIEAAP9nlL</a:t>
             </a:r>
-            <a:endParaRPr lang="en-GB" sz="2000" b="1" dirty="0">
-              <a:solidFill>
-                <a:schemeClr val="bg1"/>
-              </a:solidFill>
-            </a:endParaRPr>
           </a:p>
         </p:txBody>
       </p:sp>
@@ -3344,6 +3511,44 @@
           </a:prstGeom>
         </p:spPr>
       </p:pic>
+      <p:sp>
+        <p:nvSpPr>
+          <p:cNvPr id="2" name="TextBox 1">
+            <a:extLst>
+              <a:ext uri="{FF2B5EF4-FFF2-40B4-BE49-F238E27FC236}">
+                <a16:creationId xmlns:a16="http://schemas.microsoft.com/office/drawing/2014/main" id="{26EDBE04-6FC5-4366-8938-C00C4DA473AF}"/>
+              </a:ext>
+            </a:extLst>
+          </p:cNvPr>
+          <p:cNvSpPr txBox="1"/>
+          <p:nvPr/>
+        </p:nvSpPr>
+        <p:spPr>
+          <a:xfrm>
+            <a:off x="1917575" y="5203696"/>
+            <a:ext cx="5859264" cy="369332"/>
+          </a:xfrm>
+          <a:prstGeom prst="rect">
+            <a:avLst/>
+          </a:prstGeom>
+          <a:noFill/>
+        </p:spPr>
+        <p:txBody>
+          <a:bodyPr wrap="square" rtlCol="0">
+            <a:spAutoFit/>
+          </a:bodyPr>
+          <a:lstStyle/>
+          <a:p>
+            <a:r>
+              <a:rPr lang="en-ZA" dirty="0">
+                <a:hlinkClick r:id="rId3"/>
+              </a:rPr>
+              <a:t>https://app.gitkraken.com/glo/board/XJR4qMaIEAAP9-yr</a:t>
+            </a:r>
+            <a:endParaRPr lang="en-ZA" dirty="0"/>
+          </a:p>
+        </p:txBody>
+      </p:sp>
     </p:spTree>
     <p:extLst>
       <p:ext uri="{BB962C8B-B14F-4D97-AF65-F5344CB8AC3E}">
@@ -3354,17 +3559,208 @@
   <p:clrMapOvr>
     <a:masterClrMapping/>
   </p:clrMapOvr>
-  <p:timing>
-    <p:tnLst>
-      <p:par>
-        <p:cTn id="1" dur="indefinite" restart="never" nodeType="tmRoot"/>
-      </p:par>
-    </p:tnLst>
-  </p:timing>
 </p:sld>
 </file>
 
 <file path=ppt/slides/slide5.xml><?xml version="1.0" encoding="utf-8"?>
+<p:sld xmlns:a="http://schemas.openxmlformats.org/drawingml/2006/main" xmlns:r="http://schemas.openxmlformats.org/officeDocument/2006/relationships" xmlns:p="http://schemas.openxmlformats.org/presentationml/2006/main">
+  <p:cSld>
+    <p:spTree>
+      <p:nvGrpSpPr>
+        <p:cNvPr id="1" name=""/>
+        <p:cNvGrpSpPr/>
+        <p:nvPr/>
+      </p:nvGrpSpPr>
+      <p:grpSpPr>
+        <a:xfrm>
+          <a:off x="0" y="0"/>
+          <a:ext cx="0" cy="0"/>
+          <a:chOff x="0" y="0"/>
+          <a:chExt cx="0" cy="0"/>
+        </a:xfrm>
+      </p:grpSpPr>
+      <p:pic>
+        <p:nvPicPr>
+          <p:cNvPr id="3" name="Picture 2" descr="A screenshot of a computer screen&#10;&#10;Description generated with very high confidence">
+            <a:extLst>
+              <a:ext uri="{FF2B5EF4-FFF2-40B4-BE49-F238E27FC236}">
+                <a16:creationId xmlns:a16="http://schemas.microsoft.com/office/drawing/2014/main" id="{89A7693D-5B12-4803-B769-2BB8CFC75101}"/>
+              </a:ext>
+            </a:extLst>
+          </p:cNvPr>
+          <p:cNvPicPr>
+            <a:picLocks noChangeAspect="1"/>
+          </p:cNvPicPr>
+          <p:nvPr/>
+        </p:nvPicPr>
+        <p:blipFill>
+          <a:blip r:embed="rId2">
+            <a:extLst>
+              <a:ext uri="{28A0092B-C50C-407E-A947-70E740481C1C}">
+                <a14:useLocalDpi xmlns:a14="http://schemas.microsoft.com/office/drawing/2010/main" val="0"/>
+              </a:ext>
+            </a:extLst>
+          </a:blip>
+          <a:stretch>
+            <a:fillRect/>
+          </a:stretch>
+        </p:blipFill>
+        <p:spPr>
+          <a:xfrm>
+            <a:off x="0" y="0"/>
+            <a:ext cx="12192000" cy="6857999"/>
+          </a:xfrm>
+          <a:prstGeom prst="rect">
+            <a:avLst/>
+          </a:prstGeom>
+        </p:spPr>
+      </p:pic>
+    </p:spTree>
+    <p:extLst>
+      <p:ext uri="{BB962C8B-B14F-4D97-AF65-F5344CB8AC3E}">
+        <p14:creationId xmlns:p14="http://schemas.microsoft.com/office/powerpoint/2010/main" val="127517029"/>
+      </p:ext>
+    </p:extLst>
+  </p:cSld>
+  <p:clrMapOvr>
+    <a:masterClrMapping/>
+  </p:clrMapOvr>
+</p:sld>
+</file>
+
+<file path=ppt/slides/slide6.xml><?xml version="1.0" encoding="utf-8"?>
+<p:sld xmlns:a="http://schemas.openxmlformats.org/drawingml/2006/main" xmlns:r="http://schemas.openxmlformats.org/officeDocument/2006/relationships" xmlns:p="http://schemas.openxmlformats.org/presentationml/2006/main">
+  <p:cSld>
+    <p:spTree>
+      <p:nvGrpSpPr>
+        <p:cNvPr id="1" name=""/>
+        <p:cNvGrpSpPr/>
+        <p:nvPr/>
+      </p:nvGrpSpPr>
+      <p:grpSpPr>
+        <a:xfrm>
+          <a:off x="0" y="0"/>
+          <a:ext cx="0" cy="0"/>
+          <a:chOff x="0" y="0"/>
+          <a:chExt cx="0" cy="0"/>
+        </a:xfrm>
+      </p:grpSpPr>
+      <p:pic>
+        <p:nvPicPr>
+          <p:cNvPr id="3" name="Picture 2" descr="A screenshot of a video game&#10;&#10;Description generated with high confidence">
+            <a:extLst>
+              <a:ext uri="{FF2B5EF4-FFF2-40B4-BE49-F238E27FC236}">
+                <a16:creationId xmlns:a16="http://schemas.microsoft.com/office/drawing/2014/main" id="{407F412E-C062-42E7-B442-D4220D110266}"/>
+              </a:ext>
+            </a:extLst>
+          </p:cNvPr>
+          <p:cNvPicPr>
+            <a:picLocks noChangeAspect="1"/>
+          </p:cNvPicPr>
+          <p:nvPr/>
+        </p:nvPicPr>
+        <p:blipFill>
+          <a:blip r:embed="rId2">
+            <a:extLst>
+              <a:ext uri="{28A0092B-C50C-407E-A947-70E740481C1C}">
+                <a14:useLocalDpi xmlns:a14="http://schemas.microsoft.com/office/drawing/2010/main" val="0"/>
+              </a:ext>
+            </a:extLst>
+          </a:blip>
+          <a:stretch>
+            <a:fillRect/>
+          </a:stretch>
+        </p:blipFill>
+        <p:spPr>
+          <a:xfrm>
+            <a:off x="0" y="0"/>
+            <a:ext cx="12192000" cy="6857999"/>
+          </a:xfrm>
+          <a:prstGeom prst="rect">
+            <a:avLst/>
+          </a:prstGeom>
+        </p:spPr>
+      </p:pic>
+    </p:spTree>
+    <p:extLst>
+      <p:ext uri="{BB962C8B-B14F-4D97-AF65-F5344CB8AC3E}">
+        <p14:creationId xmlns:p14="http://schemas.microsoft.com/office/powerpoint/2010/main" val="4197070724"/>
+      </p:ext>
+    </p:extLst>
+  </p:cSld>
+  <p:clrMapOvr>
+    <a:masterClrMapping/>
+  </p:clrMapOvr>
+</p:sld>
+</file>
+
+<file path=ppt/slides/slide7.xml><?xml version="1.0" encoding="utf-8"?>
+<p:sld xmlns:a="http://schemas.openxmlformats.org/drawingml/2006/main" xmlns:r="http://schemas.openxmlformats.org/officeDocument/2006/relationships" xmlns:p="http://schemas.openxmlformats.org/presentationml/2006/main">
+  <p:cSld>
+    <p:spTree>
+      <p:nvGrpSpPr>
+        <p:cNvPr id="1" name=""/>
+        <p:cNvGrpSpPr/>
+        <p:nvPr/>
+      </p:nvGrpSpPr>
+      <p:grpSpPr>
+        <a:xfrm>
+          <a:off x="0" y="0"/>
+          <a:ext cx="0" cy="0"/>
+          <a:chOff x="0" y="0"/>
+          <a:chExt cx="0" cy="0"/>
+        </a:xfrm>
+      </p:grpSpPr>
+      <p:pic>
+        <p:nvPicPr>
+          <p:cNvPr id="5" name="Picture 4" descr="A screenshot of a cell phone&#10;&#10;Description generated with very high confidence">
+            <a:extLst>
+              <a:ext uri="{FF2B5EF4-FFF2-40B4-BE49-F238E27FC236}">
+                <a16:creationId xmlns:a16="http://schemas.microsoft.com/office/drawing/2014/main" id="{A6C79F7A-E20D-463B-BF81-9026DEBC58AB}"/>
+              </a:ext>
+            </a:extLst>
+          </p:cNvPr>
+          <p:cNvPicPr>
+            <a:picLocks noChangeAspect="1"/>
+          </p:cNvPicPr>
+          <p:nvPr/>
+        </p:nvPicPr>
+        <p:blipFill>
+          <a:blip r:embed="rId2">
+            <a:extLst>
+              <a:ext uri="{28A0092B-C50C-407E-A947-70E740481C1C}">
+                <a14:useLocalDpi xmlns:a14="http://schemas.microsoft.com/office/drawing/2010/main" val="0"/>
+              </a:ext>
+            </a:extLst>
+          </a:blip>
+          <a:stretch>
+            <a:fillRect/>
+          </a:stretch>
+        </p:blipFill>
+        <p:spPr>
+          <a:xfrm>
+            <a:off x="0" y="0"/>
+            <a:ext cx="12192000" cy="6857999"/>
+          </a:xfrm>
+          <a:prstGeom prst="rect">
+            <a:avLst/>
+          </a:prstGeom>
+        </p:spPr>
+      </p:pic>
+    </p:spTree>
+    <p:extLst>
+      <p:ext uri="{BB962C8B-B14F-4D97-AF65-F5344CB8AC3E}">
+        <p14:creationId xmlns:p14="http://schemas.microsoft.com/office/powerpoint/2010/main" val="3809889376"/>
+      </p:ext>
+    </p:extLst>
+  </p:cSld>
+  <p:clrMapOvr>
+    <a:masterClrMapping/>
+  </p:clrMapOvr>
+</p:sld>
+</file>
+
+<file path=ppt/slides/slide8.xml><?xml version="1.0" encoding="utf-8"?>
 <p:sld xmlns:a="http://schemas.openxmlformats.org/drawingml/2006/main" xmlns:r="http://schemas.openxmlformats.org/officeDocument/2006/relationships" xmlns:p="http://schemas.openxmlformats.org/presentationml/2006/main">
   <p:cSld>
     <p:spTree>
@@ -3454,301 +3850,6 @@
   <p:clrMapOvr>
     <a:masterClrMapping/>
   </p:clrMapOvr>
-  <p:timing>
-    <p:tnLst>
-      <p:par>
-        <p:cTn id="1" dur="indefinite" restart="never" nodeType="tmRoot"/>
-      </p:par>
-    </p:tnLst>
-  </p:timing>
-</p:sld>
-</file>
-
-<file path=ppt/slides/slide6.xml><?xml version="1.0" encoding="utf-8"?>
-<p:sld xmlns:a="http://schemas.openxmlformats.org/drawingml/2006/main" xmlns:r="http://schemas.openxmlformats.org/officeDocument/2006/relationships" xmlns:p="http://schemas.openxmlformats.org/presentationml/2006/main">
-  <p:cSld>
-    <p:spTree>
-      <p:nvGrpSpPr>
-        <p:cNvPr id="1" name=""/>
-        <p:cNvGrpSpPr/>
-        <p:nvPr/>
-      </p:nvGrpSpPr>
-      <p:grpSpPr>
-        <a:xfrm>
-          <a:off x="0" y="0"/>
-          <a:ext cx="0" cy="0"/>
-          <a:chOff x="0" y="0"/>
-          <a:chExt cx="0" cy="0"/>
-        </a:xfrm>
-      </p:grpSpPr>
-      <p:pic>
-        <p:nvPicPr>
-          <p:cNvPr id="3" name="Picture 2"/>
-          <p:cNvPicPr>
-            <a:picLocks noChangeAspect="1"/>
-          </p:cNvPicPr>
-          <p:nvPr/>
-        </p:nvPicPr>
-        <p:blipFill>
-          <a:blip r:embed="rId2">
-            <a:extLst>
-              <a:ext uri="{28A0092B-C50C-407E-A947-70E740481C1C}">
-                <a14:useLocalDpi xmlns:a14="http://schemas.microsoft.com/office/drawing/2010/main" val="0"/>
-              </a:ext>
-            </a:extLst>
-          </a:blip>
-          <a:stretch>
-            <a:fillRect/>
-          </a:stretch>
-        </p:blipFill>
-        <p:spPr>
-          <a:xfrm>
-            <a:off x="0" y="0"/>
-            <a:ext cx="12192002" cy="6858000"/>
-          </a:xfrm>
-          <a:prstGeom prst="rect">
-            <a:avLst/>
-          </a:prstGeom>
-        </p:spPr>
-      </p:pic>
-      <p:pic>
-        <p:nvPicPr>
-          <p:cNvPr id="4" name="Picture 3"/>
-          <p:cNvPicPr>
-            <a:picLocks noChangeAspect="1"/>
-          </p:cNvPicPr>
-          <p:nvPr/>
-        </p:nvPicPr>
-        <p:blipFill rotWithShape="1">
-          <a:blip r:embed="rId3">
-            <a:extLst>
-              <a:ext uri="{28A0092B-C50C-407E-A947-70E740481C1C}">
-                <a14:useLocalDpi xmlns:a14="http://schemas.microsoft.com/office/drawing/2010/main" val="0"/>
-              </a:ext>
-            </a:extLst>
-          </a:blip>
-          <a:srcRect t="6125" b="5072"/>
-          <a:stretch/>
-        </p:blipFill>
-        <p:spPr>
-          <a:xfrm>
-            <a:off x="1145406" y="1337912"/>
-            <a:ext cx="10058400" cy="5024387"/>
-          </a:xfrm>
-          <a:prstGeom prst="rect">
-            <a:avLst/>
-          </a:prstGeom>
-        </p:spPr>
-      </p:pic>
-    </p:spTree>
-    <p:extLst>
-      <p:ext uri="{BB962C8B-B14F-4D97-AF65-F5344CB8AC3E}">
-        <p14:creationId xmlns:p14="http://schemas.microsoft.com/office/powerpoint/2010/main" val="370395306"/>
-      </p:ext>
-    </p:extLst>
-  </p:cSld>
-  <p:clrMapOvr>
-    <a:masterClrMapping/>
-  </p:clrMapOvr>
-  <p:timing>
-    <p:tnLst>
-      <p:par>
-        <p:cTn id="1" dur="indefinite" restart="never" nodeType="tmRoot"/>
-      </p:par>
-    </p:tnLst>
-  </p:timing>
-</p:sld>
-</file>
-
-<file path=ppt/slides/slide7.xml><?xml version="1.0" encoding="utf-8"?>
-<p:sld xmlns:a="http://schemas.openxmlformats.org/drawingml/2006/main" xmlns:r="http://schemas.openxmlformats.org/officeDocument/2006/relationships" xmlns:p="http://schemas.openxmlformats.org/presentationml/2006/main">
-  <p:cSld>
-    <p:spTree>
-      <p:nvGrpSpPr>
-        <p:cNvPr id="1" name=""/>
-        <p:cNvGrpSpPr/>
-        <p:nvPr/>
-      </p:nvGrpSpPr>
-      <p:grpSpPr>
-        <a:xfrm>
-          <a:off x="0" y="0"/>
-          <a:ext cx="0" cy="0"/>
-          <a:chOff x="0" y="0"/>
-          <a:chExt cx="0" cy="0"/>
-        </a:xfrm>
-      </p:grpSpPr>
-      <p:pic>
-        <p:nvPicPr>
-          <p:cNvPr id="2" name="Picture 1"/>
-          <p:cNvPicPr>
-            <a:picLocks noChangeAspect="1"/>
-          </p:cNvPicPr>
-          <p:nvPr/>
-        </p:nvPicPr>
-        <p:blipFill>
-          <a:blip r:embed="rId2">
-            <a:extLst>
-              <a:ext uri="{28A0092B-C50C-407E-A947-70E740481C1C}">
-                <a14:useLocalDpi xmlns:a14="http://schemas.microsoft.com/office/drawing/2010/main" val="0"/>
-              </a:ext>
-            </a:extLst>
-          </a:blip>
-          <a:stretch>
-            <a:fillRect/>
-          </a:stretch>
-        </p:blipFill>
-        <p:spPr>
-          <a:xfrm>
-            <a:off x="0" y="0"/>
-            <a:ext cx="12192002" cy="6858000"/>
-          </a:xfrm>
-          <a:prstGeom prst="rect">
-            <a:avLst/>
-          </a:prstGeom>
-        </p:spPr>
-      </p:pic>
-      <p:pic>
-        <p:nvPicPr>
-          <p:cNvPr id="3" name="Picture 2"/>
-          <p:cNvPicPr>
-            <a:picLocks noChangeAspect="1"/>
-          </p:cNvPicPr>
-          <p:nvPr/>
-        </p:nvPicPr>
-        <p:blipFill rotWithShape="1">
-          <a:blip r:embed="rId3">
-            <a:extLst>
-              <a:ext uri="{28A0092B-C50C-407E-A947-70E740481C1C}">
-                <a14:useLocalDpi xmlns:a14="http://schemas.microsoft.com/office/drawing/2010/main" val="0"/>
-              </a:ext>
-            </a:extLst>
-          </a:blip>
-          <a:srcRect t="5821" b="5380"/>
-          <a:stretch/>
-        </p:blipFill>
-        <p:spPr>
-          <a:xfrm>
-            <a:off x="1530417" y="1424539"/>
-            <a:ext cx="9480884" cy="4735630"/>
-          </a:xfrm>
-          <a:prstGeom prst="rect">
-            <a:avLst/>
-          </a:prstGeom>
-        </p:spPr>
-      </p:pic>
-    </p:spTree>
-    <p:extLst>
-      <p:ext uri="{BB962C8B-B14F-4D97-AF65-F5344CB8AC3E}">
-        <p14:creationId xmlns:p14="http://schemas.microsoft.com/office/powerpoint/2010/main" val="3150202733"/>
-      </p:ext>
-    </p:extLst>
-  </p:cSld>
-  <p:clrMapOvr>
-    <a:masterClrMapping/>
-  </p:clrMapOvr>
-  <p:timing>
-    <p:tnLst>
-      <p:par>
-        <p:cTn id="1" dur="indefinite" restart="never" nodeType="tmRoot"/>
-      </p:par>
-    </p:tnLst>
-  </p:timing>
-</p:sld>
-</file>
-
-<file path=ppt/slides/slide8.xml><?xml version="1.0" encoding="utf-8"?>
-<p:sld xmlns:a="http://schemas.openxmlformats.org/drawingml/2006/main" xmlns:r="http://schemas.openxmlformats.org/officeDocument/2006/relationships" xmlns:p="http://schemas.openxmlformats.org/presentationml/2006/main">
-  <p:cSld>
-    <p:spTree>
-      <p:nvGrpSpPr>
-        <p:cNvPr id="1" name=""/>
-        <p:cNvGrpSpPr/>
-        <p:nvPr/>
-      </p:nvGrpSpPr>
-      <p:grpSpPr>
-        <a:xfrm>
-          <a:off x="0" y="0"/>
-          <a:ext cx="0" cy="0"/>
-          <a:chOff x="0" y="0"/>
-          <a:chExt cx="0" cy="0"/>
-        </a:xfrm>
-      </p:grpSpPr>
-      <p:pic>
-        <p:nvPicPr>
-          <p:cNvPr id="2" name="Picture 1"/>
-          <p:cNvPicPr>
-            <a:picLocks noChangeAspect="1"/>
-          </p:cNvPicPr>
-          <p:nvPr/>
-        </p:nvPicPr>
-        <p:blipFill>
-          <a:blip r:embed="rId2">
-            <a:extLst>
-              <a:ext uri="{28A0092B-C50C-407E-A947-70E740481C1C}">
-                <a14:useLocalDpi xmlns:a14="http://schemas.microsoft.com/office/drawing/2010/main" val="0"/>
-              </a:ext>
-            </a:extLst>
-          </a:blip>
-          <a:stretch>
-            <a:fillRect/>
-          </a:stretch>
-        </p:blipFill>
-        <p:spPr>
-          <a:xfrm>
-            <a:off x="0" y="0"/>
-            <a:ext cx="12192002" cy="6858000"/>
-          </a:xfrm>
-          <a:prstGeom prst="rect">
-            <a:avLst/>
-          </a:prstGeom>
-        </p:spPr>
-      </p:pic>
-      <p:pic>
-        <p:nvPicPr>
-          <p:cNvPr id="3" name="Picture 2"/>
-          <p:cNvPicPr>
-            <a:picLocks noChangeAspect="1"/>
-          </p:cNvPicPr>
-          <p:nvPr/>
-        </p:nvPicPr>
-        <p:blipFill rotWithShape="1">
-          <a:blip r:embed="rId3">
-            <a:extLst>
-              <a:ext uri="{28A0092B-C50C-407E-A947-70E740481C1C}">
-                <a14:useLocalDpi xmlns:a14="http://schemas.microsoft.com/office/drawing/2010/main" val="0"/>
-              </a:ext>
-            </a:extLst>
-          </a:blip>
-          <a:srcRect t="9809" b="5811"/>
-          <a:stretch/>
-        </p:blipFill>
-        <p:spPr>
-          <a:xfrm>
-            <a:off x="1066801" y="1453416"/>
-            <a:ext cx="10058400" cy="4774130"/>
-          </a:xfrm>
-          <a:prstGeom prst="rect">
-            <a:avLst/>
-          </a:prstGeom>
-        </p:spPr>
-      </p:pic>
-    </p:spTree>
-    <p:extLst>
-      <p:ext uri="{BB962C8B-B14F-4D97-AF65-F5344CB8AC3E}">
-        <p14:creationId xmlns:p14="http://schemas.microsoft.com/office/powerpoint/2010/main" val="2945833072"/>
-      </p:ext>
-    </p:extLst>
-  </p:cSld>
-  <p:clrMapOvr>
-    <a:masterClrMapping/>
-  </p:clrMapOvr>
-  <p:timing>
-    <p:tnLst>
-      <p:par>
-        <p:cTn id="1" dur="indefinite" restart="never" nodeType="tmRoot"/>
-      </p:par>
-    </p:tnLst>
-  </p:timing>
 </p:sld>
 </file>
 
@@ -3801,27 +3902,28 @@
       </p:pic>
       <p:pic>
         <p:nvPicPr>
-          <p:cNvPr id="3" name="Picture 2"/>
+          <p:cNvPr id="5" name="Picture 4">
+            <a:extLst>
+              <a:ext uri="{FF2B5EF4-FFF2-40B4-BE49-F238E27FC236}">
+                <a16:creationId xmlns:a16="http://schemas.microsoft.com/office/drawing/2014/main" id="{10859871-2025-48A8-99D5-136EE832677B}"/>
+              </a:ext>
+            </a:extLst>
+          </p:cNvPr>
           <p:cNvPicPr>
             <a:picLocks noChangeAspect="1"/>
           </p:cNvPicPr>
           <p:nvPr/>
         </p:nvPicPr>
-        <p:blipFill rotWithShape="1">
-          <a:blip r:embed="rId3">
-            <a:extLst>
-              <a:ext uri="{28A0092B-C50C-407E-A947-70E740481C1C}">
-                <a14:useLocalDpi xmlns:a14="http://schemas.microsoft.com/office/drawing/2010/main" val="0"/>
-              </a:ext>
-            </a:extLst>
-          </a:blip>
-          <a:srcRect t="10207" b="6263"/>
-          <a:stretch/>
+        <p:blipFill>
+          <a:blip r:embed="rId3"/>
+          <a:stretch>
+            <a:fillRect/>
+          </a:stretch>
         </p:blipFill>
         <p:spPr>
           <a:xfrm>
-            <a:off x="1066801" y="1328287"/>
-            <a:ext cx="10058400" cy="4726004"/>
+            <a:off x="985859" y="1025844"/>
+            <a:ext cx="10022452" cy="5632409"/>
           </a:xfrm>
           <a:prstGeom prst="rect">
             <a:avLst/>
@@ -3831,20 +3933,13 @@
     </p:spTree>
     <p:extLst>
       <p:ext uri="{BB962C8B-B14F-4D97-AF65-F5344CB8AC3E}">
-        <p14:creationId xmlns:p14="http://schemas.microsoft.com/office/powerpoint/2010/main" val="3367403906"/>
+        <p14:creationId xmlns:p14="http://schemas.microsoft.com/office/powerpoint/2010/main" val="3150202733"/>
       </p:ext>
     </p:extLst>
   </p:cSld>
   <p:clrMapOvr>
     <a:masterClrMapping/>
   </p:clrMapOvr>
-  <p:timing>
-    <p:tnLst>
-      <p:par>
-        <p:cTn id="1" dur="indefinite" restart="never" nodeType="tmRoot"/>
-      </p:par>
-    </p:tnLst>
-  </p:timing>
 </p:sld>
 </file>
 
